--- a/Slides/SDHCALReport20180103.pptx
+++ b/Slides/SDHCALReport20180103.pptx
@@ -117,6 +117,9 @@
   <p:extLst>
     <p:ext uri="{EFAFB233-063F-42B5-8137-9DF3F51BA10A}">
       <p15:sldGuideLst xmlns:p15="http://schemas.microsoft.com/office/powerpoint/2012/main"/>
+    </p:ext>
+    <p:ext uri="{2D200454-40CA-4A62-9FC3-DE9A4176ACB9}">
+      <p15:notesGuideLst xmlns:p15="http://schemas.microsoft.com/office/powerpoint/2012/main"/>
     </p:ext>
   </p:extLst>
 </p:presentation>
@@ -4262,11 +4265,7 @@
             </a:br>
             <a:r>
               <a:rPr lang="zh-CN" altLang="en-US" dirty="0" smtClean="0"/>
-              <a:t>设计</a:t>
-            </a:r>
-            <a:r>
-              <a:rPr lang="zh-CN" altLang="en-US" dirty="0" smtClean="0"/>
-              <a:t>进展</a:t>
+              <a:t>设计进展</a:t>
             </a:r>
             <a:endParaRPr lang="zh-CN" altLang="en-US" dirty="0"/>
           </a:p>
@@ -4606,7 +4605,7 @@
             <a:pPr lvl="1"/>
             <a:r>
               <a:rPr lang="zh-CN" altLang="en-US" dirty="0" smtClean="0"/>
-              <a:t>底层放读出</a:t>
+              <a:t>底层为读出</a:t>
             </a:r>
             <a:r>
               <a:rPr lang="en-US" altLang="zh-CN" dirty="0" smtClean="0"/>
@@ -4701,7 +4700,11 @@
             <a:pPr lvl="1"/>
             <a:r>
               <a:rPr lang="zh-CN" altLang="en-US" dirty="0" smtClean="0"/>
-              <a:t>顶层激光盲孔</a:t>
+              <a:t>顶层和底层激光</a:t>
+            </a:r>
+            <a:r>
+              <a:rPr lang="zh-CN" altLang="en-US" dirty="0" smtClean="0"/>
+              <a:t>盲孔</a:t>
             </a:r>
             <a:endParaRPr lang="en-US" altLang="zh-CN" dirty="0" smtClean="0"/>
           </a:p>
@@ -4899,7 +4902,7 @@
         </p:blipFill>
         <p:spPr>
           <a:xfrm>
-            <a:off x="5849216" y="2195201"/>
+            <a:off x="5390925" y="2195201"/>
             <a:ext cx="3061275" cy="1045200"/>
           </a:xfrm>
           <a:prstGeom prst="rect">
@@ -4925,6 +4928,30 @@
           <a:xfrm>
             <a:off x="584494" y="3066471"/>
             <a:ext cx="3483923" cy="3552031"/>
+          </a:xfrm>
+          <a:prstGeom prst="rect">
+            <a:avLst/>
+          </a:prstGeom>
+        </p:spPr>
+      </p:pic>
+      <p:pic>
+        <p:nvPicPr>
+          <p:cNvPr id="6" name="图片 5"/>
+          <p:cNvPicPr>
+            <a:picLocks noChangeAspect="1"/>
+          </p:cNvPicPr>
+          <p:nvPr/>
+        </p:nvPicPr>
+        <p:blipFill>
+          <a:blip r:embed="rId4"/>
+          <a:stretch>
+            <a:fillRect/>
+          </a:stretch>
+        </p:blipFill>
+        <p:spPr>
+          <a:xfrm>
+            <a:off x="5390925" y="3713016"/>
+            <a:ext cx="2975835" cy="2734254"/>
           </a:xfrm>
           <a:prstGeom prst="rect">
             <a:avLst/>
@@ -5009,7 +5036,11 @@
             <a:pPr lvl="1"/>
             <a:r>
               <a:rPr lang="zh-CN" altLang="en-US" dirty="0" smtClean="0"/>
-              <a:t>盲孔不能够打到电源层</a:t>
+              <a:t>难点：盲孔不能直接连接到</a:t>
+            </a:r>
+            <a:r>
+              <a:rPr lang="zh-CN" altLang="en-US" dirty="0" smtClean="0"/>
+              <a:t>电源层</a:t>
             </a:r>
             <a:endParaRPr lang="en-US" altLang="zh-CN" dirty="0" smtClean="0"/>
           </a:p>
@@ -5025,7 +5056,23 @@
             </a:r>
             <a:r>
               <a:rPr lang="zh-CN" altLang="en-US" dirty="0" smtClean="0"/>
-              <a:t>铜皮连接电源</a:t>
+              <a:t>铜</a:t>
+            </a:r>
+            <a:r>
+              <a:rPr lang="zh-CN" altLang="en-US" dirty="0" smtClean="0"/>
+              <a:t>皮</a:t>
+            </a:r>
+            <a:r>
+              <a:rPr lang="en-US" altLang="zh-CN" dirty="0" smtClean="0"/>
+              <a:t>+</a:t>
+            </a:r>
+            <a:r>
+              <a:rPr lang="zh-CN" altLang="en-US" dirty="0" smtClean="0"/>
+              <a:t>埋孔连接</a:t>
+            </a:r>
+            <a:r>
+              <a:rPr lang="zh-CN" altLang="en-US" dirty="0" smtClean="0"/>
+              <a:t>电源</a:t>
             </a:r>
             <a:endParaRPr lang="en-US" altLang="zh-CN" dirty="0" smtClean="0"/>
           </a:p>
@@ -5288,7 +5335,7 @@
         </p:blipFill>
         <p:spPr>
           <a:xfrm>
-            <a:off x="5892801" y="286604"/>
+            <a:off x="5698838" y="1287345"/>
             <a:ext cx="3526520" cy="2919722"/>
           </a:xfrm>
           <a:prstGeom prst="rect">
@@ -5312,8 +5359,38 @@
         </p:blipFill>
         <p:spPr>
           <a:xfrm>
-            <a:off x="3794900" y="3620655"/>
+            <a:off x="571409" y="5237019"/>
             <a:ext cx="2019363" cy="1172824"/>
+          </a:xfrm>
+          <a:prstGeom prst="rect">
+            <a:avLst/>
+          </a:prstGeom>
+        </p:spPr>
+      </p:pic>
+      <p:pic>
+        <p:nvPicPr>
+          <p:cNvPr id="5" name="图片 4"/>
+          <p:cNvPicPr>
+            <a:picLocks noChangeAspect="1"/>
+          </p:cNvPicPr>
+          <p:nvPr/>
+        </p:nvPicPr>
+        <p:blipFill>
+          <a:blip r:embed="rId4">
+            <a:extLst>
+              <a:ext uri="{28A0092B-C50C-407E-A947-70E740481C1C}">
+                <a14:useLocalDpi xmlns:a14="http://schemas.microsoft.com/office/drawing/2010/main" val="0"/>
+              </a:ext>
+            </a:extLst>
+          </a:blip>
+          <a:stretch>
+            <a:fillRect/>
+          </a:stretch>
+        </p:blipFill>
+        <p:spPr>
+          <a:xfrm>
+            <a:off x="5412510" y="4461110"/>
+            <a:ext cx="3491345" cy="1036788"/>
           </a:xfrm>
           <a:prstGeom prst="rect">
             <a:avLst/>
@@ -5421,7 +5498,7 @@
             <a:pPr lvl="1"/>
             <a:r>
               <a:rPr lang="zh-CN" altLang="en-US" dirty="0" smtClean="0"/>
-              <a:t>和</a:t>
+              <a:t>调整与</a:t>
             </a:r>
             <a:r>
               <a:rPr lang="en-US" altLang="zh-CN" dirty="0" smtClean="0"/>
@@ -5429,7 +5506,15 @@
             </a:r>
             <a:r>
               <a:rPr lang="zh-CN" altLang="en-US" dirty="0" smtClean="0"/>
-              <a:t>相关的器件和过孔，连线时会卡顿</a:t>
+              <a:t>相关的器件和过</a:t>
+            </a:r>
+            <a:r>
+              <a:rPr lang="zh-CN" altLang="en-US" dirty="0" smtClean="0"/>
+              <a:t>孔时</a:t>
+            </a:r>
+            <a:r>
+              <a:rPr lang="zh-CN" altLang="en-US" dirty="0" smtClean="0"/>
+              <a:t>会卡顿</a:t>
             </a:r>
             <a:endParaRPr lang="zh-CN" altLang="en-US" dirty="0"/>
           </a:p>
